--- a/nlfe/figures/nlfe_slides.pptx
+++ b/nlfe/figures/nlfe_slides.pptx
@@ -7,6 +7,7 @@
   <p:sldIdLst>
     <p:sldId id="257" r:id="rId2"/>
     <p:sldId id="258" r:id="rId3"/>
+    <p:sldId id="260" r:id="rId4"/>
   </p:sldIdLst>
   <p:sldSz cx="12192000" cy="6858000"/>
   <p:notesSz cx="6858000" cy="9144000"/>
@@ -105,6 +106,11 @@
       </a:defRPr>
     </a:lvl9pPr>
   </p:defaultTextStyle>
+  <p:extLst>
+    <p:ext uri="{EFAFB233-063F-42B5-8137-9DF3F51BA10A}">
+      <p15:sldGuideLst xmlns:p15="http://schemas.microsoft.com/office/powerpoint/2012/main"/>
+    </p:ext>
+  </p:extLst>
 </p:presentation>
 </file>
 
@@ -255,7 +261,7 @@
           <a:p>
             <a:fld id="{8B2CF20C-EF0D-3B4E-A0D9-617AA213493C}" type="datetimeFigureOut">
               <a:rPr lang="en-US" smtClean="0"/>
-              <a:t>4/29/19</a:t>
+              <a:t>4/30/19</a:t>
             </a:fld>
             <a:endParaRPr lang="en-US"/>
           </a:p>
@@ -453,7 +459,7 @@
           <a:p>
             <a:fld id="{8B2CF20C-EF0D-3B4E-A0D9-617AA213493C}" type="datetimeFigureOut">
               <a:rPr lang="en-US" smtClean="0"/>
-              <a:t>4/29/19</a:t>
+              <a:t>4/30/19</a:t>
             </a:fld>
             <a:endParaRPr lang="en-US"/>
           </a:p>
@@ -661,7 +667,7 @@
           <a:p>
             <a:fld id="{8B2CF20C-EF0D-3B4E-A0D9-617AA213493C}" type="datetimeFigureOut">
               <a:rPr lang="en-US" smtClean="0"/>
-              <a:t>4/29/19</a:t>
+              <a:t>4/30/19</a:t>
             </a:fld>
             <a:endParaRPr lang="en-US"/>
           </a:p>
@@ -859,7 +865,7 @@
           <a:p>
             <a:fld id="{8B2CF20C-EF0D-3B4E-A0D9-617AA213493C}" type="datetimeFigureOut">
               <a:rPr lang="en-US" smtClean="0"/>
-              <a:t>4/29/19</a:t>
+              <a:t>4/30/19</a:t>
             </a:fld>
             <a:endParaRPr lang="en-US"/>
           </a:p>
@@ -1134,7 +1140,7 @@
           <a:p>
             <a:fld id="{8B2CF20C-EF0D-3B4E-A0D9-617AA213493C}" type="datetimeFigureOut">
               <a:rPr lang="en-US" smtClean="0"/>
-              <a:t>4/29/19</a:t>
+              <a:t>4/30/19</a:t>
             </a:fld>
             <a:endParaRPr lang="en-US"/>
           </a:p>
@@ -1399,7 +1405,7 @@
           <a:p>
             <a:fld id="{8B2CF20C-EF0D-3B4E-A0D9-617AA213493C}" type="datetimeFigureOut">
               <a:rPr lang="en-US" smtClean="0"/>
-              <a:t>4/29/19</a:t>
+              <a:t>4/30/19</a:t>
             </a:fld>
             <a:endParaRPr lang="en-US"/>
           </a:p>
@@ -1811,7 +1817,7 @@
           <a:p>
             <a:fld id="{8B2CF20C-EF0D-3B4E-A0D9-617AA213493C}" type="datetimeFigureOut">
               <a:rPr lang="en-US" smtClean="0"/>
-              <a:t>4/29/19</a:t>
+              <a:t>4/30/19</a:t>
             </a:fld>
             <a:endParaRPr lang="en-US"/>
           </a:p>
@@ -1952,7 +1958,7 @@
           <a:p>
             <a:fld id="{8B2CF20C-EF0D-3B4E-A0D9-617AA213493C}" type="datetimeFigureOut">
               <a:rPr lang="en-US" smtClean="0"/>
-              <a:t>4/29/19</a:t>
+              <a:t>4/30/19</a:t>
             </a:fld>
             <a:endParaRPr lang="en-US"/>
           </a:p>
@@ -2065,7 +2071,7 @@
           <a:p>
             <a:fld id="{8B2CF20C-EF0D-3B4E-A0D9-617AA213493C}" type="datetimeFigureOut">
               <a:rPr lang="en-US" smtClean="0"/>
-              <a:t>4/29/19</a:t>
+              <a:t>4/30/19</a:t>
             </a:fld>
             <a:endParaRPr lang="en-US"/>
           </a:p>
@@ -2376,7 +2382,7 @@
           <a:p>
             <a:fld id="{8B2CF20C-EF0D-3B4E-A0D9-617AA213493C}" type="datetimeFigureOut">
               <a:rPr lang="en-US" smtClean="0"/>
-              <a:t>4/29/19</a:t>
+              <a:t>4/30/19</a:t>
             </a:fld>
             <a:endParaRPr lang="en-US"/>
           </a:p>
@@ -2664,7 +2670,7 @@
           <a:p>
             <a:fld id="{8B2CF20C-EF0D-3B4E-A0D9-617AA213493C}" type="datetimeFigureOut">
               <a:rPr lang="en-US" smtClean="0"/>
-              <a:t>4/29/19</a:t>
+              <a:t>4/30/19</a:t>
             </a:fld>
             <a:endParaRPr lang="en-US"/>
           </a:p>
@@ -2905,7 +2911,7 @@
           <a:p>
             <a:fld id="{8B2CF20C-EF0D-3B4E-A0D9-617AA213493C}" type="datetimeFigureOut">
               <a:rPr lang="en-US" smtClean="0"/>
-              <a:t>4/29/19</a:t>
+              <a:t>4/30/19</a:t>
             </a:fld>
             <a:endParaRPr lang="en-US"/>
           </a:p>
@@ -4255,6 +4261,146 @@
 </p:sld>
 </file>
 
+<file path=ppt/slides/slide3.xml><?xml version="1.0" encoding="utf-8"?>
+<p:sld xmlns:a="http://schemas.openxmlformats.org/drawingml/2006/main" xmlns:r="http://schemas.openxmlformats.org/officeDocument/2006/relationships" xmlns:p="http://schemas.openxmlformats.org/presentationml/2006/main">
+  <p:cSld>
+    <p:spTree>
+      <p:nvGrpSpPr>
+        <p:cNvPr id="1" name=""/>
+        <p:cNvGrpSpPr/>
+        <p:nvPr/>
+      </p:nvGrpSpPr>
+      <p:grpSpPr>
+        <a:xfrm>
+          <a:off x="0" y="0"/>
+          <a:ext cx="0" cy="0"/>
+          <a:chOff x="0" y="0"/>
+          <a:chExt cx="0" cy="0"/>
+        </a:xfrm>
+      </p:grpSpPr>
+      <p:grpSp>
+        <p:nvGrpSpPr>
+          <p:cNvPr id="8" name="Group 7">
+            <a:extLst>
+              <a:ext uri="{FF2B5EF4-FFF2-40B4-BE49-F238E27FC236}">
+                <a16:creationId xmlns:a16="http://schemas.microsoft.com/office/drawing/2014/main" id="{4FB6196C-624A-854E-BFE0-F5913F68F3E4}"/>
+              </a:ext>
+            </a:extLst>
+          </p:cNvPr>
+          <p:cNvGrpSpPr/>
+          <p:nvPr/>
+        </p:nvGrpSpPr>
+        <p:grpSpPr>
+          <a:xfrm>
+            <a:off x="444500" y="139700"/>
+            <a:ext cx="10668000" cy="6654800"/>
+            <a:chOff x="444500" y="139700"/>
+            <a:chExt cx="10668000" cy="6654800"/>
+          </a:xfrm>
+        </p:grpSpPr>
+        <p:pic>
+          <p:nvPicPr>
+            <p:cNvPr id="5" name="Picture 4">
+              <a:extLst>
+                <a:ext uri="{FF2B5EF4-FFF2-40B4-BE49-F238E27FC236}">
+                  <a16:creationId xmlns:a16="http://schemas.microsoft.com/office/drawing/2014/main" id="{C03EFD4C-BF11-F041-8A35-37C70B1CBC21}"/>
+                </a:ext>
+              </a:extLst>
+            </p:cNvPr>
+            <p:cNvPicPr>
+              <a:picLocks noChangeAspect="1"/>
+            </p:cNvPicPr>
+            <p:nvPr/>
+          </p:nvPicPr>
+          <p:blipFill>
+            <a:blip r:embed="rId2"/>
+            <a:stretch>
+              <a:fillRect/>
+            </a:stretch>
+          </p:blipFill>
+          <p:spPr>
+            <a:xfrm>
+              <a:off x="444500" y="139700"/>
+              <a:ext cx="10668000" cy="6654800"/>
+            </a:xfrm>
+            <a:prstGeom prst="rect">
+              <a:avLst/>
+            </a:prstGeom>
+          </p:spPr>
+        </p:pic>
+        <p:pic>
+          <p:nvPicPr>
+            <p:cNvPr id="6" name="Picture 5">
+              <a:extLst>
+                <a:ext uri="{FF2B5EF4-FFF2-40B4-BE49-F238E27FC236}">
+                  <a16:creationId xmlns:a16="http://schemas.microsoft.com/office/drawing/2014/main" id="{2D7C6973-3738-BC40-B476-1F5239FA69AB}"/>
+                </a:ext>
+              </a:extLst>
+            </p:cNvPr>
+            <p:cNvPicPr>
+              <a:picLocks noChangeAspect="1"/>
+            </p:cNvPicPr>
+            <p:nvPr/>
+          </p:nvPicPr>
+          <p:blipFill>
+            <a:blip r:embed="rId3"/>
+            <a:stretch>
+              <a:fillRect/>
+            </a:stretch>
+          </p:blipFill>
+          <p:spPr>
+            <a:xfrm>
+              <a:off x="8959850" y="774700"/>
+              <a:ext cx="1358900" cy="5080000"/>
+            </a:xfrm>
+            <a:prstGeom prst="rect">
+              <a:avLst/>
+            </a:prstGeom>
+          </p:spPr>
+        </p:pic>
+        <p:pic>
+          <p:nvPicPr>
+            <p:cNvPr id="7" name="Picture 6">
+              <a:extLst>
+                <a:ext uri="{FF2B5EF4-FFF2-40B4-BE49-F238E27FC236}">
+                  <a16:creationId xmlns:a16="http://schemas.microsoft.com/office/drawing/2014/main" id="{AE5980D2-036C-464A-8F44-C3624D2A39E2}"/>
+                </a:ext>
+              </a:extLst>
+            </p:cNvPr>
+            <p:cNvPicPr>
+              <a:picLocks noChangeAspect="1"/>
+            </p:cNvPicPr>
+            <p:nvPr/>
+          </p:nvPicPr>
+          <p:blipFill rotWithShape="1">
+            <a:blip r:embed="rId4"/>
+            <a:srcRect l="42595" t="5238" r="40117" b="88307"/>
+            <a:stretch/>
+          </p:blipFill>
+          <p:spPr>
+            <a:xfrm>
+              <a:off x="8959850" y="491090"/>
+              <a:ext cx="1012197" cy="283610"/>
+            </a:xfrm>
+            <a:prstGeom prst="rect">
+              <a:avLst/>
+            </a:prstGeom>
+          </p:spPr>
+        </p:pic>
+      </p:grpSp>
+    </p:spTree>
+    <p:extLst>
+      <p:ext uri="{BB962C8B-B14F-4D97-AF65-F5344CB8AC3E}">
+        <p14:creationId xmlns:p14="http://schemas.microsoft.com/office/powerpoint/2010/main" val="1546440873"/>
+      </p:ext>
+    </p:extLst>
+  </p:cSld>
+  <p:clrMapOvr>
+    <a:masterClrMapping/>
+  </p:clrMapOvr>
+</p:sld>
+</file>
+
 <file path=ppt/theme/theme1.xml><?xml version="1.0" encoding="utf-8"?>
 <a:theme xmlns:a="http://schemas.openxmlformats.org/drawingml/2006/main" name="Office Theme">
   <a:themeElements>

--- a/nlfe/figures/nlfe_slides.pptx
+++ b/nlfe/figures/nlfe_slides.pptx
@@ -8,6 +8,8 @@
     <p:sldId id="257" r:id="rId2"/>
     <p:sldId id="258" r:id="rId3"/>
     <p:sldId id="260" r:id="rId4"/>
+    <p:sldId id="261" r:id="rId5"/>
+    <p:sldId id="262" r:id="rId6"/>
   </p:sldIdLst>
   <p:sldSz cx="12192000" cy="6858000"/>
   <p:notesSz cx="6858000" cy="9144000"/>
@@ -261,7 +263,7 @@
           <a:p>
             <a:fld id="{8B2CF20C-EF0D-3B4E-A0D9-617AA213493C}" type="datetimeFigureOut">
               <a:rPr lang="en-US" smtClean="0"/>
-              <a:t>4/30/19</a:t>
+              <a:t>5/1/19</a:t>
             </a:fld>
             <a:endParaRPr lang="en-US"/>
           </a:p>
@@ -459,7 +461,7 @@
           <a:p>
             <a:fld id="{8B2CF20C-EF0D-3B4E-A0D9-617AA213493C}" type="datetimeFigureOut">
               <a:rPr lang="en-US" smtClean="0"/>
-              <a:t>4/30/19</a:t>
+              <a:t>5/1/19</a:t>
             </a:fld>
             <a:endParaRPr lang="en-US"/>
           </a:p>
@@ -667,7 +669,7 @@
           <a:p>
             <a:fld id="{8B2CF20C-EF0D-3B4E-A0D9-617AA213493C}" type="datetimeFigureOut">
               <a:rPr lang="en-US" smtClean="0"/>
-              <a:t>4/30/19</a:t>
+              <a:t>5/1/19</a:t>
             </a:fld>
             <a:endParaRPr lang="en-US"/>
           </a:p>
@@ -865,7 +867,7 @@
           <a:p>
             <a:fld id="{8B2CF20C-EF0D-3B4E-A0D9-617AA213493C}" type="datetimeFigureOut">
               <a:rPr lang="en-US" smtClean="0"/>
-              <a:t>4/30/19</a:t>
+              <a:t>5/1/19</a:t>
             </a:fld>
             <a:endParaRPr lang="en-US"/>
           </a:p>
@@ -1140,7 +1142,7 @@
           <a:p>
             <a:fld id="{8B2CF20C-EF0D-3B4E-A0D9-617AA213493C}" type="datetimeFigureOut">
               <a:rPr lang="en-US" smtClean="0"/>
-              <a:t>4/30/19</a:t>
+              <a:t>5/1/19</a:t>
             </a:fld>
             <a:endParaRPr lang="en-US"/>
           </a:p>
@@ -1405,7 +1407,7 @@
           <a:p>
             <a:fld id="{8B2CF20C-EF0D-3B4E-A0D9-617AA213493C}" type="datetimeFigureOut">
               <a:rPr lang="en-US" smtClean="0"/>
-              <a:t>4/30/19</a:t>
+              <a:t>5/1/19</a:t>
             </a:fld>
             <a:endParaRPr lang="en-US"/>
           </a:p>
@@ -1817,7 +1819,7 @@
           <a:p>
             <a:fld id="{8B2CF20C-EF0D-3B4E-A0D9-617AA213493C}" type="datetimeFigureOut">
               <a:rPr lang="en-US" smtClean="0"/>
-              <a:t>4/30/19</a:t>
+              <a:t>5/1/19</a:t>
             </a:fld>
             <a:endParaRPr lang="en-US"/>
           </a:p>
@@ -1958,7 +1960,7 @@
           <a:p>
             <a:fld id="{8B2CF20C-EF0D-3B4E-A0D9-617AA213493C}" type="datetimeFigureOut">
               <a:rPr lang="en-US" smtClean="0"/>
-              <a:t>4/30/19</a:t>
+              <a:t>5/1/19</a:t>
             </a:fld>
             <a:endParaRPr lang="en-US"/>
           </a:p>
@@ -2071,7 +2073,7 @@
           <a:p>
             <a:fld id="{8B2CF20C-EF0D-3B4E-A0D9-617AA213493C}" type="datetimeFigureOut">
               <a:rPr lang="en-US" smtClean="0"/>
-              <a:t>4/30/19</a:t>
+              <a:t>5/1/19</a:t>
             </a:fld>
             <a:endParaRPr lang="en-US"/>
           </a:p>
@@ -2382,7 +2384,7 @@
           <a:p>
             <a:fld id="{8B2CF20C-EF0D-3B4E-A0D9-617AA213493C}" type="datetimeFigureOut">
               <a:rPr lang="en-US" smtClean="0"/>
-              <a:t>4/30/19</a:t>
+              <a:t>5/1/19</a:t>
             </a:fld>
             <a:endParaRPr lang="en-US"/>
           </a:p>
@@ -2670,7 +2672,7 @@
           <a:p>
             <a:fld id="{8B2CF20C-EF0D-3B4E-A0D9-617AA213493C}" type="datetimeFigureOut">
               <a:rPr lang="en-US" smtClean="0"/>
-              <a:t>4/30/19</a:t>
+              <a:t>5/1/19</a:t>
             </a:fld>
             <a:endParaRPr lang="en-US"/>
           </a:p>
@@ -2911,7 +2913,7 @@
           <a:p>
             <a:fld id="{8B2CF20C-EF0D-3B4E-A0D9-617AA213493C}" type="datetimeFigureOut">
               <a:rPr lang="en-US" smtClean="0"/>
-              <a:t>4/30/19</a:t>
+              <a:t>5/1/19</a:t>
             </a:fld>
             <a:endParaRPr lang="en-US"/>
           </a:p>
@@ -4401,6 +4403,1278 @@
 </p:sld>
 </file>
 
+<file path=ppt/slides/slide4.xml><?xml version="1.0" encoding="utf-8"?>
+<p:sld xmlns:a="http://schemas.openxmlformats.org/drawingml/2006/main" xmlns:r="http://schemas.openxmlformats.org/officeDocument/2006/relationships" xmlns:p="http://schemas.openxmlformats.org/presentationml/2006/main">
+  <p:cSld>
+    <p:spTree>
+      <p:nvGrpSpPr>
+        <p:cNvPr id="1" name=""/>
+        <p:cNvGrpSpPr/>
+        <p:nvPr/>
+      </p:nvGrpSpPr>
+      <p:grpSpPr>
+        <a:xfrm>
+          <a:off x="0" y="0"/>
+          <a:ext cx="0" cy="0"/>
+          <a:chOff x="0" y="0"/>
+          <a:chExt cx="0" cy="0"/>
+        </a:xfrm>
+      </p:grpSpPr>
+      <p:grpSp>
+        <p:nvGrpSpPr>
+          <p:cNvPr id="58" name="Group 57">
+            <a:extLst>
+              <a:ext uri="{FF2B5EF4-FFF2-40B4-BE49-F238E27FC236}">
+                <a16:creationId xmlns:a16="http://schemas.microsoft.com/office/drawing/2014/main" id="{08DDD61B-467B-9C4B-A986-41C0340AB0E8}"/>
+              </a:ext>
+            </a:extLst>
+          </p:cNvPr>
+          <p:cNvGrpSpPr/>
+          <p:nvPr/>
+        </p:nvGrpSpPr>
+        <p:grpSpPr>
+          <a:xfrm>
+            <a:off x="354295" y="440250"/>
+            <a:ext cx="11227122" cy="5977499"/>
+            <a:chOff x="354295" y="440250"/>
+            <a:chExt cx="11227122" cy="5977499"/>
+          </a:xfrm>
+        </p:grpSpPr>
+        <p:grpSp>
+          <p:nvGrpSpPr>
+            <p:cNvPr id="54" name="Group 53">
+              <a:extLst>
+                <a:ext uri="{FF2B5EF4-FFF2-40B4-BE49-F238E27FC236}">
+                  <a16:creationId xmlns:a16="http://schemas.microsoft.com/office/drawing/2014/main" id="{EAF50799-07BF-9B46-92BF-029228EC58F4}"/>
+                </a:ext>
+              </a:extLst>
+            </p:cNvPr>
+            <p:cNvGrpSpPr/>
+            <p:nvPr/>
+          </p:nvGrpSpPr>
+          <p:grpSpPr>
+            <a:xfrm>
+              <a:off x="354295" y="440250"/>
+              <a:ext cx="11227122" cy="5977499"/>
+              <a:chOff x="354295" y="440250"/>
+              <a:chExt cx="11227122" cy="5977499"/>
+            </a:xfrm>
+          </p:grpSpPr>
+          <p:grpSp>
+            <p:nvGrpSpPr>
+              <p:cNvPr id="49" name="Group 48">
+                <a:extLst>
+                  <a:ext uri="{FF2B5EF4-FFF2-40B4-BE49-F238E27FC236}">
+                    <a16:creationId xmlns:a16="http://schemas.microsoft.com/office/drawing/2014/main" id="{A7AE240E-3CA9-1241-9980-482C6146F03D}"/>
+                  </a:ext>
+                </a:extLst>
+              </p:cNvPr>
+              <p:cNvGrpSpPr/>
+              <p:nvPr/>
+            </p:nvGrpSpPr>
+            <p:grpSpPr>
+              <a:xfrm>
+                <a:off x="354295" y="440250"/>
+                <a:ext cx="7042559" cy="5977499"/>
+                <a:chOff x="233210" y="440250"/>
+                <a:chExt cx="7042559" cy="5977499"/>
+              </a:xfrm>
+            </p:grpSpPr>
+            <p:grpSp>
+              <p:nvGrpSpPr>
+                <p:cNvPr id="47" name="Group 46">
+                  <a:extLst>
+                    <a:ext uri="{FF2B5EF4-FFF2-40B4-BE49-F238E27FC236}">
+                      <a16:creationId xmlns:a16="http://schemas.microsoft.com/office/drawing/2014/main" id="{01C9BA21-6DDB-EA48-AF00-4A33C5348EC5}"/>
+                    </a:ext>
+                  </a:extLst>
+                </p:cNvPr>
+                <p:cNvGrpSpPr/>
+                <p:nvPr/>
+              </p:nvGrpSpPr>
+              <p:grpSpPr>
+                <a:xfrm>
+                  <a:off x="233210" y="440250"/>
+                  <a:ext cx="7042559" cy="5977499"/>
+                  <a:chOff x="217766" y="782432"/>
+                  <a:chExt cx="7042559" cy="5977499"/>
+                </a:xfrm>
+              </p:grpSpPr>
+              <p:grpSp>
+                <p:nvGrpSpPr>
+                  <p:cNvPr id="32" name="Group 31">
+                    <a:extLst>
+                      <a:ext uri="{FF2B5EF4-FFF2-40B4-BE49-F238E27FC236}">
+                        <a16:creationId xmlns:a16="http://schemas.microsoft.com/office/drawing/2014/main" id="{670C30E0-33AE-8A43-BE9D-2CE32CBB4409}"/>
+                      </a:ext>
+                    </a:extLst>
+                  </p:cNvPr>
+                  <p:cNvGrpSpPr/>
+                  <p:nvPr/>
+                </p:nvGrpSpPr>
+                <p:grpSpPr>
+                  <a:xfrm>
+                    <a:off x="333144" y="982073"/>
+                    <a:ext cx="5945688" cy="5777858"/>
+                    <a:chOff x="0" y="0"/>
+                    <a:chExt cx="6919154" cy="6858000"/>
+                  </a:xfrm>
+                </p:grpSpPr>
+                <p:pic>
+                  <p:nvPicPr>
+                    <p:cNvPr id="19" name="Picture 18">
+                      <a:extLst>
+                        <a:ext uri="{FF2B5EF4-FFF2-40B4-BE49-F238E27FC236}">
+                          <a16:creationId xmlns:a16="http://schemas.microsoft.com/office/drawing/2014/main" id="{1B549579-6620-4248-AE08-52C340323622}"/>
+                        </a:ext>
+                      </a:extLst>
+                    </p:cNvPr>
+                    <p:cNvPicPr>
+                      <a:picLocks noChangeAspect="1"/>
+                    </p:cNvPicPr>
+                    <p:nvPr/>
+                  </p:nvPicPr>
+                  <p:blipFill>
+                    <a:blip r:embed="rId2"/>
+                    <a:stretch>
+                      <a:fillRect/>
+                    </a:stretch>
+                  </p:blipFill>
+                  <p:spPr>
+                    <a:xfrm>
+                      <a:off x="0" y="0"/>
+                      <a:ext cx="6919154" cy="6858000"/>
+                    </a:xfrm>
+                    <a:prstGeom prst="rect">
+                      <a:avLst/>
+                    </a:prstGeom>
+                  </p:spPr>
+                </p:pic>
+                <p:sp>
+                  <p:nvSpPr>
+                    <p:cNvPr id="21" name="Oval 20">
+                      <a:extLst>
+                        <a:ext uri="{FF2B5EF4-FFF2-40B4-BE49-F238E27FC236}">
+                          <a16:creationId xmlns:a16="http://schemas.microsoft.com/office/drawing/2014/main" id="{7AD2713B-7B79-544A-BECF-D9B1465BF830}"/>
+                        </a:ext>
+                      </a:extLst>
+                    </p:cNvPr>
+                    <p:cNvSpPr/>
+                    <p:nvPr/>
+                  </p:nvSpPr>
+                  <p:spPr>
+                    <a:xfrm>
+                      <a:off x="4835546" y="1779497"/>
+                      <a:ext cx="254000" cy="254000"/>
+                    </a:xfrm>
+                    <a:prstGeom prst="ellipse">
+                      <a:avLst/>
+                    </a:prstGeom>
+                  </p:spPr>
+                  <p:style>
+                    <a:lnRef idx="2">
+                      <a:schemeClr val="accent1">
+                        <a:shade val="50000"/>
+                      </a:schemeClr>
+                    </a:lnRef>
+                    <a:fillRef idx="1">
+                      <a:schemeClr val="accent1"/>
+                    </a:fillRef>
+                    <a:effectRef idx="0">
+                      <a:schemeClr val="accent1"/>
+                    </a:effectRef>
+                    <a:fontRef idx="minor">
+                      <a:schemeClr val="lt1"/>
+                    </a:fontRef>
+                  </p:style>
+                  <p:txBody>
+                    <a:bodyPr rtlCol="0" anchor="ctr"/>
+                    <a:lstStyle/>
+                    <a:p>
+                      <a:pPr algn="ctr"/>
+                      <a:endParaRPr lang="en-US"/>
+                    </a:p>
+                  </p:txBody>
+                </p:sp>
+                <p:sp>
+                  <p:nvSpPr>
+                    <p:cNvPr id="22" name="Oval 21">
+                      <a:extLst>
+                        <a:ext uri="{FF2B5EF4-FFF2-40B4-BE49-F238E27FC236}">
+                          <a16:creationId xmlns:a16="http://schemas.microsoft.com/office/drawing/2014/main" id="{D859B8AF-9A3D-0B41-B7D3-5D5A31AC513D}"/>
+                        </a:ext>
+                      </a:extLst>
+                    </p:cNvPr>
+                    <p:cNvSpPr/>
+                    <p:nvPr/>
+                  </p:nvSpPr>
+                  <p:spPr>
+                    <a:xfrm>
+                      <a:off x="4835546" y="2122814"/>
+                      <a:ext cx="254000" cy="254000"/>
+                    </a:xfrm>
+                    <a:prstGeom prst="ellipse">
+                      <a:avLst/>
+                    </a:prstGeom>
+                  </p:spPr>
+                  <p:style>
+                    <a:lnRef idx="2">
+                      <a:schemeClr val="accent1">
+                        <a:shade val="50000"/>
+                      </a:schemeClr>
+                    </a:lnRef>
+                    <a:fillRef idx="1">
+                      <a:schemeClr val="accent1"/>
+                    </a:fillRef>
+                    <a:effectRef idx="0">
+                      <a:schemeClr val="accent1"/>
+                    </a:effectRef>
+                    <a:fontRef idx="minor">
+                      <a:schemeClr val="lt1"/>
+                    </a:fontRef>
+                  </p:style>
+                  <p:txBody>
+                    <a:bodyPr rtlCol="0" anchor="ctr"/>
+                    <a:lstStyle/>
+                    <a:p>
+                      <a:pPr algn="ctr"/>
+                      <a:endParaRPr lang="en-US"/>
+                    </a:p>
+                  </p:txBody>
+                </p:sp>
+                <p:sp>
+                  <p:nvSpPr>
+                    <p:cNvPr id="23" name="Oval 22">
+                      <a:extLst>
+                        <a:ext uri="{FF2B5EF4-FFF2-40B4-BE49-F238E27FC236}">
+                          <a16:creationId xmlns:a16="http://schemas.microsoft.com/office/drawing/2014/main" id="{40D1746D-6838-714E-8545-7A88FDDADAAD}"/>
+                        </a:ext>
+                      </a:extLst>
+                    </p:cNvPr>
+                    <p:cNvSpPr/>
+                    <p:nvPr/>
+                  </p:nvSpPr>
+                  <p:spPr>
+                    <a:xfrm>
+                      <a:off x="4829516" y="2464612"/>
+                      <a:ext cx="254000" cy="254000"/>
+                    </a:xfrm>
+                    <a:prstGeom prst="ellipse">
+                      <a:avLst/>
+                    </a:prstGeom>
+                  </p:spPr>
+                  <p:style>
+                    <a:lnRef idx="2">
+                      <a:schemeClr val="accent1">
+                        <a:shade val="50000"/>
+                      </a:schemeClr>
+                    </a:lnRef>
+                    <a:fillRef idx="1">
+                      <a:schemeClr val="accent1"/>
+                    </a:fillRef>
+                    <a:effectRef idx="0">
+                      <a:schemeClr val="accent1"/>
+                    </a:effectRef>
+                    <a:fontRef idx="minor">
+                      <a:schemeClr val="lt1"/>
+                    </a:fontRef>
+                  </p:style>
+                  <p:txBody>
+                    <a:bodyPr rtlCol="0" anchor="ctr"/>
+                    <a:lstStyle/>
+                    <a:p>
+                      <a:pPr algn="ctr"/>
+                      <a:endParaRPr lang="en-US"/>
+                    </a:p>
+                  </p:txBody>
+                </p:sp>
+                <p:sp>
+                  <p:nvSpPr>
+                    <p:cNvPr id="24" name="Oval 23">
+                      <a:extLst>
+                        <a:ext uri="{FF2B5EF4-FFF2-40B4-BE49-F238E27FC236}">
+                          <a16:creationId xmlns:a16="http://schemas.microsoft.com/office/drawing/2014/main" id="{50DFABA7-95FC-484C-A993-A10121DC7296}"/>
+                        </a:ext>
+                      </a:extLst>
+                    </p:cNvPr>
+                    <p:cNvSpPr/>
+                    <p:nvPr/>
+                  </p:nvSpPr>
+                  <p:spPr>
+                    <a:xfrm>
+                      <a:off x="4832531" y="2788782"/>
+                      <a:ext cx="254000" cy="254000"/>
+                    </a:xfrm>
+                    <a:prstGeom prst="ellipse">
+                      <a:avLst/>
+                    </a:prstGeom>
+                  </p:spPr>
+                  <p:style>
+                    <a:lnRef idx="2">
+                      <a:schemeClr val="accent1">
+                        <a:shade val="50000"/>
+                      </a:schemeClr>
+                    </a:lnRef>
+                    <a:fillRef idx="1">
+                      <a:schemeClr val="accent1"/>
+                    </a:fillRef>
+                    <a:effectRef idx="0">
+                      <a:schemeClr val="accent1"/>
+                    </a:effectRef>
+                    <a:fontRef idx="minor">
+                      <a:schemeClr val="lt1"/>
+                    </a:fontRef>
+                  </p:style>
+                  <p:txBody>
+                    <a:bodyPr rtlCol="0" anchor="ctr"/>
+                    <a:lstStyle/>
+                    <a:p>
+                      <a:pPr algn="ctr"/>
+                      <a:endParaRPr lang="en-US"/>
+                    </a:p>
+                  </p:txBody>
+                </p:sp>
+                <p:sp>
+                  <p:nvSpPr>
+                    <p:cNvPr id="25" name="Oval 24">
+                      <a:extLst>
+                        <a:ext uri="{FF2B5EF4-FFF2-40B4-BE49-F238E27FC236}">
+                          <a16:creationId xmlns:a16="http://schemas.microsoft.com/office/drawing/2014/main" id="{47191893-FD72-AC49-ACB6-D8E6400D5E18}"/>
+                        </a:ext>
+                      </a:extLst>
+                    </p:cNvPr>
+                    <p:cNvSpPr/>
+                    <p:nvPr/>
+                  </p:nvSpPr>
+                  <p:spPr>
+                    <a:xfrm>
+                      <a:off x="4826502" y="3132030"/>
+                      <a:ext cx="254000" cy="254000"/>
+                    </a:xfrm>
+                    <a:prstGeom prst="ellipse">
+                      <a:avLst/>
+                    </a:prstGeom>
+                  </p:spPr>
+                  <p:style>
+                    <a:lnRef idx="2">
+                      <a:schemeClr val="accent1">
+                        <a:shade val="50000"/>
+                      </a:schemeClr>
+                    </a:lnRef>
+                    <a:fillRef idx="1">
+                      <a:schemeClr val="accent1"/>
+                    </a:fillRef>
+                    <a:effectRef idx="0">
+                      <a:schemeClr val="accent1"/>
+                    </a:effectRef>
+                    <a:fontRef idx="minor">
+                      <a:schemeClr val="lt1"/>
+                    </a:fontRef>
+                  </p:style>
+                  <p:txBody>
+                    <a:bodyPr rtlCol="0" anchor="ctr"/>
+                    <a:lstStyle/>
+                    <a:p>
+                      <a:pPr algn="ctr"/>
+                      <a:endParaRPr lang="en-US"/>
+                    </a:p>
+                  </p:txBody>
+                </p:sp>
+                <p:sp>
+                  <p:nvSpPr>
+                    <p:cNvPr id="26" name="Oval 25">
+                      <a:extLst>
+                        <a:ext uri="{FF2B5EF4-FFF2-40B4-BE49-F238E27FC236}">
+                          <a16:creationId xmlns:a16="http://schemas.microsoft.com/office/drawing/2014/main" id="{A35D60CA-7B8C-934E-8A0E-E54F8FA72300}"/>
+                        </a:ext>
+                      </a:extLst>
+                    </p:cNvPr>
+                    <p:cNvSpPr/>
+                    <p:nvPr/>
+                  </p:nvSpPr>
+                  <p:spPr>
+                    <a:xfrm>
+                      <a:off x="4829516" y="3468726"/>
+                      <a:ext cx="254000" cy="254000"/>
+                    </a:xfrm>
+                    <a:prstGeom prst="ellipse">
+                      <a:avLst/>
+                    </a:prstGeom>
+                  </p:spPr>
+                  <p:style>
+                    <a:lnRef idx="2">
+                      <a:schemeClr val="accent1">
+                        <a:shade val="50000"/>
+                      </a:schemeClr>
+                    </a:lnRef>
+                    <a:fillRef idx="1">
+                      <a:schemeClr val="accent1"/>
+                    </a:fillRef>
+                    <a:effectRef idx="0">
+                      <a:schemeClr val="accent1"/>
+                    </a:effectRef>
+                    <a:fontRef idx="minor">
+                      <a:schemeClr val="lt1"/>
+                    </a:fontRef>
+                  </p:style>
+                  <p:txBody>
+                    <a:bodyPr rtlCol="0" anchor="ctr"/>
+                    <a:lstStyle/>
+                    <a:p>
+                      <a:pPr algn="ctr"/>
+                      <a:endParaRPr lang="en-US"/>
+                    </a:p>
+                  </p:txBody>
+                </p:sp>
+                <p:sp>
+                  <p:nvSpPr>
+                    <p:cNvPr id="27" name="Oval 26">
+                      <a:extLst>
+                        <a:ext uri="{FF2B5EF4-FFF2-40B4-BE49-F238E27FC236}">
+                          <a16:creationId xmlns:a16="http://schemas.microsoft.com/office/drawing/2014/main" id="{932E6C2C-29F7-5845-88C0-CDDEF5785B25}"/>
+                        </a:ext>
+                      </a:extLst>
+                    </p:cNvPr>
+                    <p:cNvSpPr/>
+                    <p:nvPr/>
+                  </p:nvSpPr>
+                  <p:spPr>
+                    <a:xfrm>
+                      <a:off x="4835546" y="3807068"/>
+                      <a:ext cx="254000" cy="254000"/>
+                    </a:xfrm>
+                    <a:prstGeom prst="ellipse">
+                      <a:avLst/>
+                    </a:prstGeom>
+                  </p:spPr>
+                  <p:style>
+                    <a:lnRef idx="2">
+                      <a:schemeClr val="accent1">
+                        <a:shade val="50000"/>
+                      </a:schemeClr>
+                    </a:lnRef>
+                    <a:fillRef idx="1">
+                      <a:schemeClr val="accent1"/>
+                    </a:fillRef>
+                    <a:effectRef idx="0">
+                      <a:schemeClr val="accent1"/>
+                    </a:effectRef>
+                    <a:fontRef idx="minor">
+                      <a:schemeClr val="lt1"/>
+                    </a:fontRef>
+                  </p:style>
+                  <p:txBody>
+                    <a:bodyPr rtlCol="0" anchor="ctr"/>
+                    <a:lstStyle/>
+                    <a:p>
+                      <a:pPr algn="ctr"/>
+                      <a:endParaRPr lang="en-US"/>
+                    </a:p>
+                  </p:txBody>
+                </p:sp>
+                <p:sp>
+                  <p:nvSpPr>
+                    <p:cNvPr id="28" name="Oval 27">
+                      <a:extLst>
+                        <a:ext uri="{FF2B5EF4-FFF2-40B4-BE49-F238E27FC236}">
+                          <a16:creationId xmlns:a16="http://schemas.microsoft.com/office/drawing/2014/main" id="{95C28518-C1B0-C947-BE6B-8762891CC4CE}"/>
+                        </a:ext>
+                      </a:extLst>
+                    </p:cNvPr>
+                    <p:cNvSpPr/>
+                    <p:nvPr/>
+                  </p:nvSpPr>
+                  <p:spPr>
+                    <a:xfrm>
+                      <a:off x="4838561" y="4148448"/>
+                      <a:ext cx="254000" cy="254000"/>
+                    </a:xfrm>
+                    <a:prstGeom prst="ellipse">
+                      <a:avLst/>
+                    </a:prstGeom>
+                  </p:spPr>
+                  <p:style>
+                    <a:lnRef idx="2">
+                      <a:schemeClr val="accent1">
+                        <a:shade val="50000"/>
+                      </a:schemeClr>
+                    </a:lnRef>
+                    <a:fillRef idx="1">
+                      <a:schemeClr val="accent1"/>
+                    </a:fillRef>
+                    <a:effectRef idx="0">
+                      <a:schemeClr val="accent1"/>
+                    </a:effectRef>
+                    <a:fontRef idx="minor">
+                      <a:schemeClr val="lt1"/>
+                    </a:fontRef>
+                  </p:style>
+                  <p:txBody>
+                    <a:bodyPr rtlCol="0" anchor="ctr"/>
+                    <a:lstStyle/>
+                    <a:p>
+                      <a:pPr algn="ctr"/>
+                      <a:endParaRPr lang="en-US"/>
+                    </a:p>
+                  </p:txBody>
+                </p:sp>
+                <p:sp>
+                  <p:nvSpPr>
+                    <p:cNvPr id="29" name="Oval 28">
+                      <a:extLst>
+                        <a:ext uri="{FF2B5EF4-FFF2-40B4-BE49-F238E27FC236}">
+                          <a16:creationId xmlns:a16="http://schemas.microsoft.com/office/drawing/2014/main" id="{C6E1A24B-752A-4641-920F-E451DD28AC6F}"/>
+                        </a:ext>
+                      </a:extLst>
+                    </p:cNvPr>
+                    <p:cNvSpPr/>
+                    <p:nvPr/>
+                  </p:nvSpPr>
+                  <p:spPr>
+                    <a:xfrm>
+                      <a:off x="4832531" y="4504221"/>
+                      <a:ext cx="254000" cy="254000"/>
+                    </a:xfrm>
+                    <a:prstGeom prst="ellipse">
+                      <a:avLst/>
+                    </a:prstGeom>
+                  </p:spPr>
+                  <p:style>
+                    <a:lnRef idx="2">
+                      <a:schemeClr val="accent1">
+                        <a:shade val="50000"/>
+                      </a:schemeClr>
+                    </a:lnRef>
+                    <a:fillRef idx="1">
+                      <a:schemeClr val="accent1"/>
+                    </a:fillRef>
+                    <a:effectRef idx="0">
+                      <a:schemeClr val="accent1"/>
+                    </a:effectRef>
+                    <a:fontRef idx="minor">
+                      <a:schemeClr val="lt1"/>
+                    </a:fontRef>
+                  </p:style>
+                  <p:txBody>
+                    <a:bodyPr rtlCol="0" anchor="ctr"/>
+                    <a:lstStyle/>
+                    <a:p>
+                      <a:pPr algn="ctr"/>
+                      <a:endParaRPr lang="en-US"/>
+                    </a:p>
+                  </p:txBody>
+                </p:sp>
+                <p:sp>
+                  <p:nvSpPr>
+                    <p:cNvPr id="30" name="Oval 29">
+                      <a:extLst>
+                        <a:ext uri="{FF2B5EF4-FFF2-40B4-BE49-F238E27FC236}">
+                          <a16:creationId xmlns:a16="http://schemas.microsoft.com/office/drawing/2014/main" id="{E9A710DD-9E03-A541-BCD2-C5F53ED9FB64}"/>
+                        </a:ext>
+                      </a:extLst>
+                    </p:cNvPr>
+                    <p:cNvSpPr/>
+                    <p:nvPr/>
+                  </p:nvSpPr>
+                  <p:spPr>
+                    <a:xfrm>
+                      <a:off x="4835546" y="4848760"/>
+                      <a:ext cx="254000" cy="254000"/>
+                    </a:xfrm>
+                    <a:prstGeom prst="ellipse">
+                      <a:avLst/>
+                    </a:prstGeom>
+                  </p:spPr>
+                  <p:style>
+                    <a:lnRef idx="2">
+                      <a:schemeClr val="accent1">
+                        <a:shade val="50000"/>
+                      </a:schemeClr>
+                    </a:lnRef>
+                    <a:fillRef idx="1">
+                      <a:schemeClr val="accent1"/>
+                    </a:fillRef>
+                    <a:effectRef idx="0">
+                      <a:schemeClr val="accent1"/>
+                    </a:effectRef>
+                    <a:fontRef idx="minor">
+                      <a:schemeClr val="lt1"/>
+                    </a:fontRef>
+                  </p:style>
+                  <p:txBody>
+                    <a:bodyPr rtlCol="0" anchor="ctr"/>
+                    <a:lstStyle/>
+                    <a:p>
+                      <a:pPr algn="ctr"/>
+                      <a:endParaRPr lang="en-US"/>
+                    </a:p>
+                  </p:txBody>
+                </p:sp>
+                <p:sp>
+                  <p:nvSpPr>
+                    <p:cNvPr id="31" name="Oval 30">
+                      <a:extLst>
+                        <a:ext uri="{FF2B5EF4-FFF2-40B4-BE49-F238E27FC236}">
+                          <a16:creationId xmlns:a16="http://schemas.microsoft.com/office/drawing/2014/main" id="{9E0FF666-FBDD-5D47-AA9F-A7B45B37D0D8}"/>
+                        </a:ext>
+                      </a:extLst>
+                    </p:cNvPr>
+                    <p:cNvSpPr/>
+                    <p:nvPr/>
+                  </p:nvSpPr>
+                  <p:spPr>
+                    <a:xfrm>
+                      <a:off x="6414949" y="3293454"/>
+                      <a:ext cx="254000" cy="254000"/>
+                    </a:xfrm>
+                    <a:prstGeom prst="ellipse">
+                      <a:avLst/>
+                    </a:prstGeom>
+                  </p:spPr>
+                  <p:style>
+                    <a:lnRef idx="2">
+                      <a:schemeClr val="accent1">
+                        <a:shade val="50000"/>
+                      </a:schemeClr>
+                    </a:lnRef>
+                    <a:fillRef idx="1">
+                      <a:schemeClr val="accent1"/>
+                    </a:fillRef>
+                    <a:effectRef idx="0">
+                      <a:schemeClr val="accent1"/>
+                    </a:effectRef>
+                    <a:fontRef idx="minor">
+                      <a:schemeClr val="lt1"/>
+                    </a:fontRef>
+                  </p:style>
+                  <p:txBody>
+                    <a:bodyPr rtlCol="0" anchor="ctr"/>
+                    <a:lstStyle/>
+                    <a:p>
+                      <a:pPr algn="ctr"/>
+                      <a:endParaRPr lang="en-US"/>
+                    </a:p>
+                  </p:txBody>
+                </p:sp>
+              </p:grpSp>
+              <p:sp>
+                <p:nvSpPr>
+                  <p:cNvPr id="37" name="TextBox 36">
+                    <a:extLst>
+                      <a:ext uri="{FF2B5EF4-FFF2-40B4-BE49-F238E27FC236}">
+                        <a16:creationId xmlns:a16="http://schemas.microsoft.com/office/drawing/2014/main" id="{627B549A-6D04-A541-A536-F76C0B6E2BB7}"/>
+                      </a:ext>
+                    </a:extLst>
+                  </p:cNvPr>
+                  <p:cNvSpPr txBox="1"/>
+                  <p:nvPr/>
+                </p:nvSpPr>
+                <p:spPr>
+                  <a:xfrm>
+                    <a:off x="757939" y="782432"/>
+                    <a:ext cx="933075" cy="461665"/>
+                  </a:xfrm>
+                  <a:prstGeom prst="rect">
+                    <a:avLst/>
+                  </a:prstGeom>
+                  <a:noFill/>
+                </p:spPr>
+                <p:txBody>
+                  <a:bodyPr wrap="square" rtlCol="0">
+                    <a:spAutoFit/>
+                  </a:bodyPr>
+                  <a:lstStyle/>
+                  <a:p>
+                    <a:r>
+                      <a:rPr lang="en-US" sz="2400" dirty="0"/>
+                      <a:t>(a)</a:t>
+                    </a:r>
+                  </a:p>
+                </p:txBody>
+              </p:sp>
+              <p:sp>
+                <p:nvSpPr>
+                  <p:cNvPr id="38" name="TextBox 37">
+                    <a:extLst>
+                      <a:ext uri="{FF2B5EF4-FFF2-40B4-BE49-F238E27FC236}">
+                        <a16:creationId xmlns:a16="http://schemas.microsoft.com/office/drawing/2014/main" id="{CBC950D0-06A0-3744-A3FE-8C5F6D582979}"/>
+                      </a:ext>
+                    </a:extLst>
+                  </p:cNvPr>
+                  <p:cNvSpPr txBox="1"/>
+                  <p:nvPr/>
+                </p:nvSpPr>
+                <p:spPr>
+                  <a:xfrm>
+                    <a:off x="6327250" y="782432"/>
+                    <a:ext cx="933075" cy="461665"/>
+                  </a:xfrm>
+                  <a:prstGeom prst="rect">
+                    <a:avLst/>
+                  </a:prstGeom>
+                  <a:noFill/>
+                </p:spPr>
+                <p:txBody>
+                  <a:bodyPr wrap="square" rtlCol="0">
+                    <a:spAutoFit/>
+                  </a:bodyPr>
+                  <a:lstStyle/>
+                  <a:p>
+                    <a:r>
+                      <a:rPr lang="en-US" sz="2400" dirty="0"/>
+                      <a:t>(b)</a:t>
+                    </a:r>
+                  </a:p>
+                </p:txBody>
+              </p:sp>
+              <p:sp>
+                <p:nvSpPr>
+                  <p:cNvPr id="41" name="TextBox 40">
+                    <a:extLst>
+                      <a:ext uri="{FF2B5EF4-FFF2-40B4-BE49-F238E27FC236}">
+                        <a16:creationId xmlns:a16="http://schemas.microsoft.com/office/drawing/2014/main" id="{E53EA3D0-977C-3B43-858C-B86C9455D9E9}"/>
+                      </a:ext>
+                    </a:extLst>
+                  </p:cNvPr>
+                  <p:cNvSpPr txBox="1"/>
+                  <p:nvPr/>
+                </p:nvSpPr>
+                <p:spPr>
+                  <a:xfrm>
+                    <a:off x="217766" y="4015471"/>
+                    <a:ext cx="863600" cy="461665"/>
+                  </a:xfrm>
+                  <a:prstGeom prst="rect">
+                    <a:avLst/>
+                  </a:prstGeom>
+                  <a:noFill/>
+                </p:spPr>
+                <p:txBody>
+                  <a:bodyPr wrap="square" rtlCol="0">
+                    <a:spAutoFit/>
+                  </a:bodyPr>
+                  <a:lstStyle/>
+                  <a:p>
+                    <a:r>
+                      <a:rPr lang="en-US" sz="2400" dirty="0"/>
+                      <a:t>𝜑</a:t>
+                    </a:r>
+                  </a:p>
+                </p:txBody>
+              </p:sp>
+              <p:sp>
+                <p:nvSpPr>
+                  <p:cNvPr id="42" name="TextBox 41">
+                    <a:extLst>
+                      <a:ext uri="{FF2B5EF4-FFF2-40B4-BE49-F238E27FC236}">
+                        <a16:creationId xmlns:a16="http://schemas.microsoft.com/office/drawing/2014/main" id="{76189003-7C55-5E4D-9B9B-4716A96F8240}"/>
+                      </a:ext>
+                    </a:extLst>
+                  </p:cNvPr>
+                  <p:cNvSpPr txBox="1"/>
+                  <p:nvPr/>
+                </p:nvSpPr>
+                <p:spPr>
+                  <a:xfrm>
+                    <a:off x="220983" y="3143699"/>
+                    <a:ext cx="863600" cy="461665"/>
+                  </a:xfrm>
+                  <a:prstGeom prst="rect">
+                    <a:avLst/>
+                  </a:prstGeom>
+                  <a:noFill/>
+                </p:spPr>
+                <p:txBody>
+                  <a:bodyPr wrap="square" rtlCol="0">
+                    <a:spAutoFit/>
+                  </a:bodyPr>
+                  <a:lstStyle/>
+                  <a:p>
+                    <a:r>
+                      <a:rPr lang="en-US" sz="2400" dirty="0"/>
+                      <a:t>𝜓</a:t>
+                    </a:r>
+                  </a:p>
+                </p:txBody>
+              </p:sp>
+              <p:sp>
+                <p:nvSpPr>
+                  <p:cNvPr id="43" name="TextBox 42">
+                    <a:extLst>
+                      <a:ext uri="{FF2B5EF4-FFF2-40B4-BE49-F238E27FC236}">
+                        <a16:creationId xmlns:a16="http://schemas.microsoft.com/office/drawing/2014/main" id="{E0E638BA-4172-B249-8459-C8AC4E4DB117}"/>
+                      </a:ext>
+                    </a:extLst>
+                  </p:cNvPr>
+                  <p:cNvSpPr txBox="1"/>
+                  <p:nvPr/>
+                </p:nvSpPr>
+                <p:spPr>
+                  <a:xfrm>
+                    <a:off x="1344411" y="2111965"/>
+                    <a:ext cx="1248475" cy="369332"/>
+                  </a:xfrm>
+                  <a:prstGeom prst="rect">
+                    <a:avLst/>
+                  </a:prstGeom>
+                  <a:noFill/>
+                </p:spPr>
+                <p:txBody>
+                  <a:bodyPr wrap="square" rtlCol="0">
+                    <a:spAutoFit/>
+                  </a:bodyPr>
+                  <a:lstStyle/>
+                  <a:p>
+                    <a:r>
+                      <a:rPr lang="en-US" dirty="0"/>
+                      <a:t>sin(𝜓)</a:t>
+                    </a:r>
+                  </a:p>
+                </p:txBody>
+              </p:sp>
+              <p:sp>
+                <p:nvSpPr>
+                  <p:cNvPr id="44" name="TextBox 43">
+                    <a:extLst>
+                      <a:ext uri="{FF2B5EF4-FFF2-40B4-BE49-F238E27FC236}">
+                        <a16:creationId xmlns:a16="http://schemas.microsoft.com/office/drawing/2014/main" id="{7EA0CF06-9DB1-CC4D-89E0-ECA8DE3F9280}"/>
+                      </a:ext>
+                    </a:extLst>
+                  </p:cNvPr>
+                  <p:cNvSpPr txBox="1"/>
+                  <p:nvPr/>
+                </p:nvSpPr>
+                <p:spPr>
+                  <a:xfrm>
+                    <a:off x="1306832" y="3003208"/>
+                    <a:ext cx="1248475" cy="369332"/>
+                  </a:xfrm>
+                  <a:prstGeom prst="rect">
+                    <a:avLst/>
+                  </a:prstGeom>
+                  <a:noFill/>
+                </p:spPr>
+                <p:txBody>
+                  <a:bodyPr wrap="square" rtlCol="0">
+                    <a:spAutoFit/>
+                  </a:bodyPr>
+                  <a:lstStyle/>
+                  <a:p>
+                    <a:r>
+                      <a:rPr lang="en-US" dirty="0"/>
+                      <a:t>cos(𝜓)</a:t>
+                    </a:r>
+                  </a:p>
+                </p:txBody>
+              </p:sp>
+              <p:sp>
+                <p:nvSpPr>
+                  <p:cNvPr id="45" name="TextBox 44">
+                    <a:extLst>
+                      <a:ext uri="{FF2B5EF4-FFF2-40B4-BE49-F238E27FC236}">
+                        <a16:creationId xmlns:a16="http://schemas.microsoft.com/office/drawing/2014/main" id="{958D4E77-894D-E043-9CCA-25386DF72000}"/>
+                      </a:ext>
+                    </a:extLst>
+                  </p:cNvPr>
+                  <p:cNvSpPr txBox="1"/>
+                  <p:nvPr/>
+                </p:nvSpPr>
+                <p:spPr>
+                  <a:xfrm>
+                    <a:off x="1306831" y="3860600"/>
+                    <a:ext cx="1248475" cy="369332"/>
+                  </a:xfrm>
+                  <a:prstGeom prst="rect">
+                    <a:avLst/>
+                  </a:prstGeom>
+                  <a:noFill/>
+                </p:spPr>
+                <p:txBody>
+                  <a:bodyPr wrap="square" rtlCol="0">
+                    <a:spAutoFit/>
+                  </a:bodyPr>
+                  <a:lstStyle/>
+                  <a:p>
+                    <a:r>
+                      <a:rPr lang="en-US" dirty="0"/>
+                      <a:t>sin(𝜑)</a:t>
+                    </a:r>
+                  </a:p>
+                </p:txBody>
+              </p:sp>
+              <p:sp>
+                <p:nvSpPr>
+                  <p:cNvPr id="46" name="TextBox 45">
+                    <a:extLst>
+                      <a:ext uri="{FF2B5EF4-FFF2-40B4-BE49-F238E27FC236}">
+                        <a16:creationId xmlns:a16="http://schemas.microsoft.com/office/drawing/2014/main" id="{30C217DE-FFF0-B149-8F98-21BB48B4B226}"/>
+                      </a:ext>
+                    </a:extLst>
+                  </p:cNvPr>
+                  <p:cNvSpPr txBox="1"/>
+                  <p:nvPr/>
+                </p:nvSpPr>
+                <p:spPr>
+                  <a:xfrm>
+                    <a:off x="1306831" y="4702936"/>
+                    <a:ext cx="1248475" cy="369332"/>
+                  </a:xfrm>
+                  <a:prstGeom prst="rect">
+                    <a:avLst/>
+                  </a:prstGeom>
+                  <a:noFill/>
+                </p:spPr>
+                <p:txBody>
+                  <a:bodyPr wrap="square" rtlCol="0">
+                    <a:spAutoFit/>
+                  </a:bodyPr>
+                  <a:lstStyle/>
+                  <a:p>
+                    <a:r>
+                      <a:rPr lang="en-US" dirty="0"/>
+                      <a:t>cos(𝜑)</a:t>
+                    </a:r>
+                  </a:p>
+                </p:txBody>
+              </p:sp>
+            </p:grpSp>
+            <p:sp>
+              <p:nvSpPr>
+                <p:cNvPr id="48" name="TextBox 47">
+                  <a:extLst>
+                    <a:ext uri="{FF2B5EF4-FFF2-40B4-BE49-F238E27FC236}">
+                      <a16:creationId xmlns:a16="http://schemas.microsoft.com/office/drawing/2014/main" id="{E76E452C-1C11-D04C-AE86-2522678B504B}"/>
+                    </a:ext>
+                  </a:extLst>
+                </p:cNvPr>
+                <p:cNvSpPr txBox="1"/>
+                <p:nvPr/>
+              </p:nvSpPr>
+              <p:spPr>
+                <a:xfrm>
+                  <a:off x="5822948" y="2952958"/>
+                  <a:ext cx="863600" cy="461665"/>
+                </a:xfrm>
+                <a:prstGeom prst="rect">
+                  <a:avLst/>
+                </a:prstGeom>
+                <a:noFill/>
+              </p:spPr>
+              <p:txBody>
+                <a:bodyPr wrap="square" rtlCol="0">
+                  <a:spAutoFit/>
+                </a:bodyPr>
+                <a:lstStyle/>
+                <a:p>
+                  <a:r>
+                    <a:rPr lang="en-US" sz="2400" dirty="0"/>
+                    <a:t>F</a:t>
+                  </a:r>
+                </a:p>
+              </p:txBody>
+            </p:sp>
+            <p:sp>
+              <p:nvSpPr>
+                <p:cNvPr id="39" name="Oval 38">
+                  <a:extLst>
+                    <a:ext uri="{FF2B5EF4-FFF2-40B4-BE49-F238E27FC236}">
+                      <a16:creationId xmlns:a16="http://schemas.microsoft.com/office/drawing/2014/main" id="{5C127F7C-6CA8-4045-9555-B7B48C7930AE}"/>
+                    </a:ext>
+                  </a:extLst>
+                </p:cNvPr>
+                <p:cNvSpPr/>
+                <p:nvPr/>
+              </p:nvSpPr>
+              <p:spPr>
+                <a:xfrm>
+                  <a:off x="4152114" y="5696622"/>
+                  <a:ext cx="218264" cy="213995"/>
+                </a:xfrm>
+                <a:prstGeom prst="ellipse">
+                  <a:avLst/>
+                </a:prstGeom>
+              </p:spPr>
+              <p:style>
+                <a:lnRef idx="2">
+                  <a:schemeClr val="accent1">
+                    <a:shade val="50000"/>
+                  </a:schemeClr>
+                </a:lnRef>
+                <a:fillRef idx="1">
+                  <a:schemeClr val="accent1"/>
+                </a:fillRef>
+                <a:effectRef idx="0">
+                  <a:schemeClr val="accent1"/>
+                </a:effectRef>
+                <a:fontRef idx="minor">
+                  <a:schemeClr val="lt1"/>
+                </a:fontRef>
+              </p:style>
+              <p:txBody>
+                <a:bodyPr rtlCol="0" anchor="ctr"/>
+                <a:lstStyle/>
+                <a:p>
+                  <a:pPr algn="ctr"/>
+                  <a:endParaRPr lang="en-US"/>
+                </a:p>
+              </p:txBody>
+            </p:sp>
+            <p:sp>
+              <p:nvSpPr>
+                <p:cNvPr id="40" name="TextBox 39">
+                  <a:extLst>
+                    <a:ext uri="{FF2B5EF4-FFF2-40B4-BE49-F238E27FC236}">
+                      <a16:creationId xmlns:a16="http://schemas.microsoft.com/office/drawing/2014/main" id="{42EDF186-4FB4-7F46-88BE-FB0E4E8E1776}"/>
+                    </a:ext>
+                  </a:extLst>
+                </p:cNvPr>
+                <p:cNvSpPr txBox="1"/>
+                <p:nvPr/>
+              </p:nvSpPr>
+              <p:spPr>
+                <a:xfrm>
+                  <a:off x="4517757" y="5587452"/>
+                  <a:ext cx="1830574" cy="646331"/>
+                </a:xfrm>
+                <a:prstGeom prst="rect">
+                  <a:avLst/>
+                </a:prstGeom>
+                <a:noFill/>
+              </p:spPr>
+              <p:txBody>
+                <a:bodyPr wrap="square" rtlCol="0">
+                  <a:spAutoFit/>
+                </a:bodyPr>
+                <a:lstStyle/>
+                <a:p>
+                  <a:r>
+                    <a:rPr lang="en-US" dirty="0"/>
+                    <a:t>Bayesian linear regression</a:t>
+                  </a:r>
+                </a:p>
+              </p:txBody>
+            </p:sp>
+          </p:grpSp>
+          <p:pic>
+            <p:nvPicPr>
+              <p:cNvPr id="53" name="Graphic 52">
+                <a:extLst>
+                  <a:ext uri="{FF2B5EF4-FFF2-40B4-BE49-F238E27FC236}">
+                    <a16:creationId xmlns:a16="http://schemas.microsoft.com/office/drawing/2014/main" id="{25392F2F-92DD-AD4C-A45C-4C6DFFDC7652}"/>
+                  </a:ext>
+                </a:extLst>
+              </p:cNvPr>
+              <p:cNvPicPr>
+                <a:picLocks noChangeAspect="1"/>
+              </p:cNvPicPr>
+              <p:nvPr/>
+            </p:nvPicPr>
+            <p:blipFill rotWithShape="1">
+              <a:blip r:embed="rId3">
+                <a:extLst>
+                  <a:ext uri="{96DAC541-7B7A-43D3-8B79-37D633B846F1}">
+                    <asvg:svgBlip xmlns:asvg="http://schemas.microsoft.com/office/drawing/2016/SVG/main" r:embed="rId4"/>
+                  </a:ext>
+                </a:extLst>
+              </a:blip>
+              <a:srcRect l="38991" t="5555" r="22034" b="26222"/>
+              <a:stretch/>
+            </p:blipFill>
+            <p:spPr>
+              <a:xfrm>
+                <a:off x="9220638" y="3580690"/>
+                <a:ext cx="2360779" cy="2353114"/>
+              </a:xfrm>
+              <a:prstGeom prst="rect">
+                <a:avLst/>
+              </a:prstGeom>
+            </p:spPr>
+          </p:pic>
+        </p:grpSp>
+        <p:pic>
+          <p:nvPicPr>
+            <p:cNvPr id="55" name="Graphic 54">
+              <a:extLst>
+                <a:ext uri="{FF2B5EF4-FFF2-40B4-BE49-F238E27FC236}">
+                  <a16:creationId xmlns:a16="http://schemas.microsoft.com/office/drawing/2014/main" id="{B718D23F-BC31-184E-96D5-7BA7B3E7B53F}"/>
+                </a:ext>
+              </a:extLst>
+            </p:cNvPr>
+            <p:cNvPicPr>
+              <a:picLocks noChangeAspect="1"/>
+            </p:cNvPicPr>
+            <p:nvPr/>
+          </p:nvPicPr>
+          <p:blipFill rotWithShape="1">
+            <a:blip r:embed="rId3">
+              <a:extLst>
+                <a:ext uri="{96DAC541-7B7A-43D3-8B79-37D633B846F1}">
+                  <asvg:svgBlip xmlns:asvg="http://schemas.microsoft.com/office/drawing/2016/SVG/main" r:embed="rId4"/>
+                </a:ext>
+              </a:extLst>
+            </a:blip>
+            <a:srcRect l="38991" t="5555" r="22034" b="26222"/>
+            <a:stretch/>
+          </p:blipFill>
+          <p:spPr>
+            <a:xfrm>
+              <a:off x="6771132" y="3548409"/>
+              <a:ext cx="2360779" cy="2353114"/>
+            </a:xfrm>
+            <a:prstGeom prst="rect">
+              <a:avLst/>
+            </a:prstGeom>
+          </p:spPr>
+        </p:pic>
+        <p:pic>
+          <p:nvPicPr>
+            <p:cNvPr id="56" name="Graphic 55">
+              <a:extLst>
+                <a:ext uri="{FF2B5EF4-FFF2-40B4-BE49-F238E27FC236}">
+                  <a16:creationId xmlns:a16="http://schemas.microsoft.com/office/drawing/2014/main" id="{2CA9B9B2-039B-EC45-8004-27EF1AD82E8E}"/>
+                </a:ext>
+              </a:extLst>
+            </p:cNvPr>
+            <p:cNvPicPr>
+              <a:picLocks noChangeAspect="1"/>
+            </p:cNvPicPr>
+            <p:nvPr/>
+          </p:nvPicPr>
+          <p:blipFill rotWithShape="1">
+            <a:blip r:embed="rId3">
+              <a:extLst>
+                <a:ext uri="{96DAC541-7B7A-43D3-8B79-37D633B846F1}">
+                  <asvg:svgBlip xmlns:asvg="http://schemas.microsoft.com/office/drawing/2016/SVG/main" r:embed="rId4"/>
+                </a:ext>
+              </a:extLst>
+            </a:blip>
+            <a:srcRect l="38991" t="5555" r="22034" b="26222"/>
+            <a:stretch/>
+          </p:blipFill>
+          <p:spPr>
+            <a:xfrm>
+              <a:off x="6807633" y="757032"/>
+              <a:ext cx="2360779" cy="2353114"/>
+            </a:xfrm>
+            <a:prstGeom prst="rect">
+              <a:avLst/>
+            </a:prstGeom>
+          </p:spPr>
+        </p:pic>
+        <p:pic>
+          <p:nvPicPr>
+            <p:cNvPr id="57" name="Graphic 56">
+              <a:extLst>
+                <a:ext uri="{FF2B5EF4-FFF2-40B4-BE49-F238E27FC236}">
+                  <a16:creationId xmlns:a16="http://schemas.microsoft.com/office/drawing/2014/main" id="{FB2E2479-ADAA-1349-BB55-4AEC8CCF6B9E}"/>
+                </a:ext>
+              </a:extLst>
+            </p:cNvPr>
+            <p:cNvPicPr>
+              <a:picLocks noChangeAspect="1"/>
+            </p:cNvPicPr>
+            <p:nvPr/>
+          </p:nvPicPr>
+          <p:blipFill rotWithShape="1">
+            <a:blip r:embed="rId3">
+              <a:extLst>
+                <a:ext uri="{96DAC541-7B7A-43D3-8B79-37D633B846F1}">
+                  <asvg:svgBlip xmlns:asvg="http://schemas.microsoft.com/office/drawing/2016/SVG/main" r:embed="rId4"/>
+                </a:ext>
+              </a:extLst>
+            </a:blip>
+            <a:srcRect l="38991" t="5555" r="22034" b="26222"/>
+            <a:stretch/>
+          </p:blipFill>
+          <p:spPr>
+            <a:xfrm>
+              <a:off x="9220638" y="777892"/>
+              <a:ext cx="2360779" cy="2353114"/>
+            </a:xfrm>
+            <a:prstGeom prst="rect">
+              <a:avLst/>
+            </a:prstGeom>
+          </p:spPr>
+        </p:pic>
+      </p:grpSp>
+    </p:spTree>
+    <p:extLst>
+      <p:ext uri="{BB962C8B-B14F-4D97-AF65-F5344CB8AC3E}">
+        <p14:creationId xmlns:p14="http://schemas.microsoft.com/office/powerpoint/2010/main" val="1147346630"/>
+      </p:ext>
+    </p:extLst>
+  </p:cSld>
+  <p:clrMapOvr>
+    <a:masterClrMapping/>
+  </p:clrMapOvr>
+</p:sld>
+</file>
+
+<file path=ppt/slides/slide5.xml><?xml version="1.0" encoding="utf-8"?>
+<p:sld xmlns:a="http://schemas.openxmlformats.org/drawingml/2006/main" xmlns:r="http://schemas.openxmlformats.org/officeDocument/2006/relationships" xmlns:p="http://schemas.openxmlformats.org/presentationml/2006/main">
+  <p:cSld>
+    <p:spTree>
+      <p:nvGrpSpPr>
+        <p:cNvPr id="1" name=""/>
+        <p:cNvGrpSpPr/>
+        <p:nvPr/>
+      </p:nvGrpSpPr>
+      <p:grpSpPr>
+        <a:xfrm>
+          <a:off x="0" y="0"/>
+          <a:ext cx="0" cy="0"/>
+          <a:chOff x="0" y="0"/>
+          <a:chExt cx="0" cy="0"/>
+        </a:xfrm>
+      </p:grpSpPr>
+      <p:pic>
+        <p:nvPicPr>
+          <p:cNvPr id="5" name="Graphic 4">
+            <a:extLst>
+              <a:ext uri="{FF2B5EF4-FFF2-40B4-BE49-F238E27FC236}">
+                <a16:creationId xmlns:a16="http://schemas.microsoft.com/office/drawing/2014/main" id="{ADB0D957-F259-2D4B-B80A-E69B275E89A7}"/>
+              </a:ext>
+            </a:extLst>
+          </p:cNvPr>
+          <p:cNvPicPr>
+            <a:picLocks noChangeAspect="1"/>
+          </p:cNvPicPr>
+          <p:nvPr/>
+        </p:nvPicPr>
+        <p:blipFill rotWithShape="1">
+          <a:blip r:embed="rId2">
+            <a:extLst>
+              <a:ext uri="{96DAC541-7B7A-43D3-8B79-37D633B846F1}">
+                <asvg:svgBlip xmlns:asvg="http://schemas.microsoft.com/office/drawing/2016/SVG/main" r:embed="rId3"/>
+              </a:ext>
+            </a:extLst>
+          </a:blip>
+          <a:srcRect l="38991" t="5555" r="22034" b="26222"/>
+          <a:stretch/>
+        </p:blipFill>
+        <p:spPr>
+          <a:xfrm>
+            <a:off x="4770120" y="381000"/>
+            <a:ext cx="4693920" cy="4678680"/>
+          </a:xfrm>
+          <a:prstGeom prst="rect">
+            <a:avLst/>
+          </a:prstGeom>
+        </p:spPr>
+      </p:pic>
+    </p:spTree>
+    <p:extLst>
+      <p:ext uri="{BB962C8B-B14F-4D97-AF65-F5344CB8AC3E}">
+        <p14:creationId xmlns:p14="http://schemas.microsoft.com/office/powerpoint/2010/main" val="837447187"/>
+      </p:ext>
+    </p:extLst>
+  </p:cSld>
+  <p:clrMapOvr>
+    <a:masterClrMapping/>
+  </p:clrMapOvr>
+</p:sld>
+</file>
+
 <file path=ppt/theme/theme1.xml><?xml version="1.0" encoding="utf-8"?>
 <a:theme xmlns:a="http://schemas.openxmlformats.org/drawingml/2006/main" name="Office Theme">
   <a:themeElements>
